--- a/presentation.pptx
+++ b/presentation.pptx
@@ -108,7 +108,7 @@
   </p:defaultTextStyle>
   <p:extLst>
     <p:ext uri="{EFAFB233-063F-42B5-8137-9DF3F51BA10A}">
-      <p15:sldGuideLst xmlns:p15="http://schemas.microsoft.com/office/powerpoint/2012/main" xmlns=""/>
+      <p15:sldGuideLst xmlns="" xmlns:p15="http://schemas.microsoft.com/office/powerpoint/2012/main"/>
     </p:ext>
   </p:extLst>
 </p:presentation>
@@ -143,7 +143,7 @@
           <a:blip r:embed="rId2">
             <a:extLst>
               <a:ext uri="{28A0092B-C50C-407E-A947-70E740481C1C}">
-                <a14:useLocalDpi xmlns:a14="http://schemas.microsoft.com/office/drawing/2010/main" xmlns="" val="0"/>
+                <a14:useLocalDpi xmlns="" xmlns:a14="http://schemas.microsoft.com/office/drawing/2010/main" val="0"/>
               </a:ext>
             </a:extLst>
           </a:blip>
@@ -276,7 +276,7 @@
             <a:fld id="{F1E7815E-F7B8-4E93-9F6C-89F6C3C8DBB8}" type="datetimeFigureOut">
               <a:rPr lang="en-US" smtClean="0"/>
               <a:pPr/>
-              <a:t>4/26/2019</a:t>
+              <a:t>4/27/2019</a:t>
             </a:fld>
             <a:endParaRPr lang="en-US"/>
           </a:p>
@@ -328,7 +328,7 @@
     </p:spTree>
     <p:extLst>
       <p:ext uri="{BB962C8B-B14F-4D97-AF65-F5344CB8AC3E}">
-        <p14:creationId xmlns:p14="http://schemas.microsoft.com/office/powerpoint/2010/main" xmlns="" val="943914243"/>
+        <p14:creationId xmlns="" xmlns:p14="http://schemas.microsoft.com/office/powerpoint/2010/main" val="943914243"/>
       </p:ext>
     </p:extLst>
   </p:cSld>
@@ -448,7 +448,7 @@
             <a:fld id="{F1E7815E-F7B8-4E93-9F6C-89F6C3C8DBB8}" type="datetimeFigureOut">
               <a:rPr lang="en-US" smtClean="0"/>
               <a:pPr/>
-              <a:t>4/26/2019</a:t>
+              <a:t>4/27/2019</a:t>
             </a:fld>
             <a:endParaRPr lang="en-US"/>
           </a:p>
@@ -500,7 +500,7 @@
     </p:spTree>
     <p:extLst>
       <p:ext uri="{BB962C8B-B14F-4D97-AF65-F5344CB8AC3E}">
-        <p14:creationId xmlns:p14="http://schemas.microsoft.com/office/powerpoint/2010/main" xmlns="" val="341494358"/>
+        <p14:creationId xmlns="" xmlns:p14="http://schemas.microsoft.com/office/powerpoint/2010/main" val="341494358"/>
       </p:ext>
     </p:extLst>
   </p:cSld>
@@ -630,7 +630,7 @@
             <a:fld id="{F1E7815E-F7B8-4E93-9F6C-89F6C3C8DBB8}" type="datetimeFigureOut">
               <a:rPr lang="en-US" smtClean="0"/>
               <a:pPr/>
-              <a:t>4/26/2019</a:t>
+              <a:t>4/27/2019</a:t>
             </a:fld>
             <a:endParaRPr lang="en-US"/>
           </a:p>
@@ -682,7 +682,7 @@
     </p:spTree>
     <p:extLst>
       <p:ext uri="{BB962C8B-B14F-4D97-AF65-F5344CB8AC3E}">
-        <p14:creationId xmlns:p14="http://schemas.microsoft.com/office/powerpoint/2010/main" xmlns="" val="1788002404"/>
+        <p14:creationId xmlns="" xmlns:p14="http://schemas.microsoft.com/office/powerpoint/2010/main" val="1788002404"/>
       </p:ext>
     </p:extLst>
   </p:cSld>
@@ -802,7 +802,7 @@
             <a:fld id="{F1E7815E-F7B8-4E93-9F6C-89F6C3C8DBB8}" type="datetimeFigureOut">
               <a:rPr lang="en-US" smtClean="0"/>
               <a:pPr/>
-              <a:t>4/26/2019</a:t>
+              <a:t>4/27/2019</a:t>
             </a:fld>
             <a:endParaRPr lang="en-US"/>
           </a:p>
@@ -854,7 +854,7 @@
     </p:spTree>
     <p:extLst>
       <p:ext uri="{BB962C8B-B14F-4D97-AF65-F5344CB8AC3E}">
-        <p14:creationId xmlns:p14="http://schemas.microsoft.com/office/powerpoint/2010/main" xmlns="" val="1455464324"/>
+        <p14:creationId xmlns="" xmlns:p14="http://schemas.microsoft.com/office/powerpoint/2010/main" val="1455464324"/>
       </p:ext>
     </p:extLst>
   </p:cSld>
@@ -1048,7 +1048,7 @@
             <a:fld id="{F1E7815E-F7B8-4E93-9F6C-89F6C3C8DBB8}" type="datetimeFigureOut">
               <a:rPr lang="en-US" smtClean="0"/>
               <a:pPr/>
-              <a:t>4/26/2019</a:t>
+              <a:t>4/27/2019</a:t>
             </a:fld>
             <a:endParaRPr lang="en-US"/>
           </a:p>
@@ -1100,7 +1100,7 @@
     </p:spTree>
     <p:extLst>
       <p:ext uri="{BB962C8B-B14F-4D97-AF65-F5344CB8AC3E}">
-        <p14:creationId xmlns:p14="http://schemas.microsoft.com/office/powerpoint/2010/main" xmlns="" val="2852076799"/>
+        <p14:creationId xmlns="" xmlns:p14="http://schemas.microsoft.com/office/powerpoint/2010/main" val="2852076799"/>
       </p:ext>
     </p:extLst>
   </p:cSld>
@@ -1282,7 +1282,7 @@
             <a:fld id="{F1E7815E-F7B8-4E93-9F6C-89F6C3C8DBB8}" type="datetimeFigureOut">
               <a:rPr lang="en-US" smtClean="0"/>
               <a:pPr/>
-              <a:t>4/26/2019</a:t>
+              <a:t>4/27/2019</a:t>
             </a:fld>
             <a:endParaRPr lang="en-US"/>
           </a:p>
@@ -1334,7 +1334,7 @@
     </p:spTree>
     <p:extLst>
       <p:ext uri="{BB962C8B-B14F-4D97-AF65-F5344CB8AC3E}">
-        <p14:creationId xmlns:p14="http://schemas.microsoft.com/office/powerpoint/2010/main" xmlns="" val="365074372"/>
+        <p14:creationId xmlns="" xmlns:p14="http://schemas.microsoft.com/office/powerpoint/2010/main" val="365074372"/>
       </p:ext>
     </p:extLst>
   </p:cSld>
@@ -1651,7 +1651,7 @@
             <a:fld id="{F1E7815E-F7B8-4E93-9F6C-89F6C3C8DBB8}" type="datetimeFigureOut">
               <a:rPr lang="en-US" smtClean="0"/>
               <a:pPr/>
-              <a:t>4/26/2019</a:t>
+              <a:t>4/27/2019</a:t>
             </a:fld>
             <a:endParaRPr lang="en-US"/>
           </a:p>
@@ -1703,7 +1703,7 @@
     </p:spTree>
     <p:extLst>
       <p:ext uri="{BB962C8B-B14F-4D97-AF65-F5344CB8AC3E}">
-        <p14:creationId xmlns:p14="http://schemas.microsoft.com/office/powerpoint/2010/main" xmlns="" val="2171097153"/>
+        <p14:creationId xmlns="" xmlns:p14="http://schemas.microsoft.com/office/powerpoint/2010/main" val="2171097153"/>
       </p:ext>
     </p:extLst>
   </p:cSld>
@@ -1771,7 +1771,7 @@
             <a:fld id="{F1E7815E-F7B8-4E93-9F6C-89F6C3C8DBB8}" type="datetimeFigureOut">
               <a:rPr lang="en-US" smtClean="0"/>
               <a:pPr/>
-              <a:t>4/26/2019</a:t>
+              <a:t>4/27/2019</a:t>
             </a:fld>
             <a:endParaRPr lang="en-US"/>
           </a:p>
@@ -1823,7 +1823,7 @@
     </p:spTree>
     <p:extLst>
       <p:ext uri="{BB962C8B-B14F-4D97-AF65-F5344CB8AC3E}">
-        <p14:creationId xmlns:p14="http://schemas.microsoft.com/office/powerpoint/2010/main" xmlns="" val="2391073231"/>
+        <p14:creationId xmlns="" xmlns:p14="http://schemas.microsoft.com/office/powerpoint/2010/main" val="2391073231"/>
       </p:ext>
     </p:extLst>
   </p:cSld>
@@ -1868,7 +1868,7 @@
             <a:fld id="{F1E7815E-F7B8-4E93-9F6C-89F6C3C8DBB8}" type="datetimeFigureOut">
               <a:rPr lang="en-US" smtClean="0"/>
               <a:pPr/>
-              <a:t>4/26/2019</a:t>
+              <a:t>4/27/2019</a:t>
             </a:fld>
             <a:endParaRPr lang="en-US"/>
           </a:p>
@@ -1920,7 +1920,7 @@
     </p:spTree>
     <p:extLst>
       <p:ext uri="{BB962C8B-B14F-4D97-AF65-F5344CB8AC3E}">
-        <p14:creationId xmlns:p14="http://schemas.microsoft.com/office/powerpoint/2010/main" xmlns="" val="3246137033"/>
+        <p14:creationId xmlns="" xmlns:p14="http://schemas.microsoft.com/office/powerpoint/2010/main" val="3246137033"/>
       </p:ext>
     </p:extLst>
   </p:cSld>
@@ -2147,7 +2147,7 @@
             <a:fld id="{F1E7815E-F7B8-4E93-9F6C-89F6C3C8DBB8}" type="datetimeFigureOut">
               <a:rPr lang="en-US" smtClean="0"/>
               <a:pPr/>
-              <a:t>4/26/2019</a:t>
+              <a:t>4/27/2019</a:t>
             </a:fld>
             <a:endParaRPr lang="en-US"/>
           </a:p>
@@ -2199,7 +2199,7 @@
     </p:spTree>
     <p:extLst>
       <p:ext uri="{BB962C8B-B14F-4D97-AF65-F5344CB8AC3E}">
-        <p14:creationId xmlns:p14="http://schemas.microsoft.com/office/powerpoint/2010/main" xmlns="" val="1748878316"/>
+        <p14:creationId xmlns="" xmlns:p14="http://schemas.microsoft.com/office/powerpoint/2010/main" val="1748878316"/>
       </p:ext>
     </p:extLst>
   </p:cSld>
@@ -2406,7 +2406,7 @@
             <a:fld id="{F1E7815E-F7B8-4E93-9F6C-89F6C3C8DBB8}" type="datetimeFigureOut">
               <a:rPr lang="en-US" smtClean="0"/>
               <a:pPr/>
-              <a:t>4/26/2019</a:t>
+              <a:t>4/27/2019</a:t>
             </a:fld>
             <a:endParaRPr lang="en-US"/>
           </a:p>
@@ -2458,7 +2458,7 @@
     </p:spTree>
     <p:extLst>
       <p:ext uri="{BB962C8B-B14F-4D97-AF65-F5344CB8AC3E}">
-        <p14:creationId xmlns:p14="http://schemas.microsoft.com/office/powerpoint/2010/main" xmlns="" val="2167276554"/>
+        <p14:creationId xmlns="" xmlns:p14="http://schemas.microsoft.com/office/powerpoint/2010/main" val="2167276554"/>
       </p:ext>
     </p:extLst>
   </p:cSld>
@@ -2621,7 +2621,7 @@
             <a:fld id="{F1E7815E-F7B8-4E93-9F6C-89F6C3C8DBB8}" type="datetimeFigureOut">
               <a:rPr lang="en-US" smtClean="0"/>
               <a:pPr/>
-              <a:t>4/26/2019</a:t>
+              <a:t>4/27/2019</a:t>
             </a:fld>
             <a:endParaRPr lang="en-US"/>
           </a:p>
@@ -2718,7 +2718,7 @@
           <a:blip r:embed="rId13">
             <a:extLst>
               <a:ext uri="{28A0092B-C50C-407E-A947-70E740481C1C}">
-                <a14:useLocalDpi xmlns:a14="http://schemas.microsoft.com/office/drawing/2010/main" xmlns="" val="0"/>
+                <a14:useLocalDpi xmlns="" xmlns:a14="http://schemas.microsoft.com/office/drawing/2010/main" val="0"/>
               </a:ext>
             </a:extLst>
           </a:blip>
@@ -2739,7 +2739,7 @@
     </p:spTree>
     <p:extLst>
       <p:ext uri="{BB962C8B-B14F-4D97-AF65-F5344CB8AC3E}">
-        <p14:creationId xmlns:p14="http://schemas.microsoft.com/office/powerpoint/2010/main" xmlns="" val="2857459615"/>
+        <p14:creationId xmlns="" xmlns:p14="http://schemas.microsoft.com/office/powerpoint/2010/main" val="2857459615"/>
       </p:ext>
     </p:extLst>
   </p:cSld>
@@ -3189,7 +3189,7 @@
     </p:spTree>
     <p:extLst>
       <p:ext uri="{BB962C8B-B14F-4D97-AF65-F5344CB8AC3E}">
-        <p14:creationId xmlns:p14="http://schemas.microsoft.com/office/powerpoint/2010/main" xmlns="" val="2399436098"/>
+        <p14:creationId xmlns="" xmlns:p14="http://schemas.microsoft.com/office/powerpoint/2010/main" val="2399436098"/>
       </p:ext>
     </p:extLst>
   </p:cSld>
@@ -3368,11 +3368,7 @@
           <a:p>
             <a:r>
               <a:rPr lang="ru-RU" sz="3200" dirty="0" smtClean="0"/>
-              <a:t>З</a:t>
-            </a:r>
-            <a:r>
-              <a:rPr lang="ru-RU" sz="3200" dirty="0" smtClean="0"/>
-              <a:t>аймёт не более 2-х минут</a:t>
+              <a:t>Займёт не более 2-х минут</a:t>
             </a:r>
             <a:endParaRPr lang="ru-RU" sz="2400" dirty="0"/>
           </a:p>
@@ -3437,7 +3433,7 @@
     </p:spTree>
     <p:extLst>
       <p:ext uri="{BB962C8B-B14F-4D97-AF65-F5344CB8AC3E}">
-        <p14:creationId xmlns:p14="http://schemas.microsoft.com/office/powerpoint/2010/main" xmlns="" val="4191663527"/>
+        <p14:creationId xmlns="" xmlns:p14="http://schemas.microsoft.com/office/powerpoint/2010/main" val="4191663527"/>
       </p:ext>
     </p:extLst>
   </p:cSld>
@@ -4060,7 +4056,7 @@
     </p:spTree>
     <p:extLst>
       <p:ext uri="{BB962C8B-B14F-4D97-AF65-F5344CB8AC3E}">
-        <p14:creationId xmlns:p14="http://schemas.microsoft.com/office/powerpoint/2010/main" xmlns="" val="4191663527"/>
+        <p14:creationId xmlns="" xmlns:p14="http://schemas.microsoft.com/office/powerpoint/2010/main" val="4191663527"/>
       </p:ext>
     </p:extLst>
   </p:cSld>
@@ -4335,7 +4331,7 @@
   <a:extraClrSchemeLst/>
   <a:extLst>
     <a:ext uri="{05A4C25C-085E-4340-85A3-A5531E510DB2}">
-      <thm15:themeFamily xmlns:thm15="http://schemas.microsoft.com/office/thememl/2012/main" xmlns="" name="Office Theme" id="{62F939B6-93AF-4DB8-9C6B-D6C7DFDC589F}" vid="{4A3C46E8-61CC-4603-A589-7422A47A8E4A}"/>
+      <thm15:themeFamily xmlns="" xmlns:thm15="http://schemas.microsoft.com/office/thememl/2012/main" name="Office Theme" id="{62F939B6-93AF-4DB8-9C6B-D6C7DFDC589F}" vid="{4A3C46E8-61CC-4603-A589-7422A47A8E4A}"/>
     </a:ext>
   </a:extLst>
 </a:theme>
